--- a/SlidePM/PACKAGE MANAGER.pptx
+++ b/SlidePM/PACKAGE MANAGER.pptx
@@ -150,6 +150,34 @@
         </p14:section>
       </p14:sectionLst>
     </p:ext>
+    <p:ext uri="{EFAFB233-063F-42B5-8137-9DF3F51BA10A}">
+      <p15:sldGuideLst xmlns:p15="http://schemas.microsoft.com/office/powerpoint/2012/main">
+        <p15:guide id="1" orient="horz" pos="2160">
+          <p15:clr>
+            <a:srgbClr val="A4A3A4"/>
+          </p15:clr>
+        </p15:guide>
+        <p15:guide id="2" pos="2880">
+          <p15:clr>
+            <a:srgbClr val="A4A3A4"/>
+          </p15:clr>
+        </p15:guide>
+      </p15:sldGuideLst>
+    </p:ext>
+    <p:ext uri="{2D200454-40CA-4A62-9FC3-DE9A4176ACB9}">
+      <p15:notesGuideLst xmlns:p15="http://schemas.microsoft.com/office/powerpoint/2012/main">
+        <p15:guide id="1" orient="horz" pos="2880">
+          <p15:clr>
+            <a:srgbClr val="A4A3A4"/>
+          </p15:clr>
+        </p15:guide>
+        <p15:guide id="2" pos="2160">
+          <p15:clr>
+            <a:srgbClr val="A4A3A4"/>
+          </p15:clr>
+        </p15:guide>
+      </p15:notesGuideLst>
+    </p:ext>
   </p:extLst>
 </p:presentation>
 </file>
@@ -237,7 +265,7 @@
             <a:fld id="{D83FDC75-7F73-4A4A-A77C-09AADF00E0EA}" type="datetimeFigureOut">
               <a:rPr lang="en-US" smtClean="0"/>
               <a:pPr/>
-              <a:t>6/27/2020</a:t>
+              <a:t>6/28/2020</a:t>
             </a:fld>
             <a:endParaRPr lang="en-US" dirty="0"/>
           </a:p>
@@ -404,7 +432,7 @@
             <a:fld id="{48AEF76B-3757-4A0B-AF93-28494465C1DD}" type="datetimeFigureOut">
               <a:rPr lang="en-US" smtClean="0"/>
               <a:pPr/>
-              <a:t>6/27/2020</a:t>
+              <a:t>6/28/2020</a:t>
             </a:fld>
             <a:endParaRPr lang="en-US" dirty="0"/>
           </a:p>
@@ -468,38 +496,37 @@
           <a:p>
             <a:pPr lvl="0"/>
             <a:r>
-              <a:rPr lang="en-US" smtClean="0"/>
+              <a:rPr lang="en-US"/>
               <a:t>Click to edit Master text styles</a:t>
             </a:r>
           </a:p>
           <a:p>
             <a:pPr lvl="1"/>
             <a:r>
-              <a:rPr lang="en-US" smtClean="0"/>
+              <a:rPr lang="en-US"/>
               <a:t>Second level</a:t>
             </a:r>
           </a:p>
           <a:p>
             <a:pPr lvl="2"/>
             <a:r>
-              <a:rPr lang="en-US" smtClean="0"/>
+              <a:rPr lang="en-US"/>
               <a:t>Third level</a:t>
             </a:r>
           </a:p>
           <a:p>
             <a:pPr lvl="3"/>
             <a:r>
-              <a:rPr lang="en-US" smtClean="0"/>
+              <a:rPr lang="en-US"/>
               <a:t>Fourth level</a:t>
             </a:r>
           </a:p>
           <a:p>
             <a:pPr lvl="4"/>
             <a:r>
-              <a:rPr lang="en-US" smtClean="0"/>
+              <a:rPr lang="en-US"/>
               <a:t>Fifth level</a:t>
             </a:r>
-            <a:endParaRPr lang="en-US"/>
           </a:p>
         </p:txBody>
       </p:sp>
@@ -737,52 +764,52 @@
               <a:defRPr/>
             </a:pPr>
             <a:r>
-              <a:rPr lang="en-US" dirty="0" smtClean="0"/>
+              <a:rPr lang="en-US" dirty="0"/>
               <a:t>This template can be used as a starter file for presenting training materials in a group setting.</a:t>
             </a:r>
           </a:p>
           <a:p>
-            <a:endParaRPr lang="en-US" dirty="0" smtClean="0"/>
+            <a:endParaRPr lang="en-US" dirty="0"/>
           </a:p>
           <a:p>
             <a:pPr lvl="0"/>
             <a:r>
-              <a:rPr lang="en-US" sz="1200" b="1" dirty="0" smtClean="0"/>
+              <a:rPr lang="en-US" sz="1200" b="1" dirty="0"/>
               <a:t>Sections</a:t>
             </a:r>
-            <a:endParaRPr lang="en-US" sz="1200" b="0" dirty="0" smtClean="0"/>
+            <a:endParaRPr lang="en-US" sz="1200" b="0" dirty="0"/>
           </a:p>
           <a:p>
             <a:pPr lvl="0"/>
             <a:r>
-              <a:rPr lang="en-US" sz="1200" b="0" dirty="0" smtClean="0"/>
+              <a:rPr lang="en-US" sz="1200" b="0" dirty="0"/>
               <a:t>Right-click on a slide to add sections.</a:t>
             </a:r>
             <a:r>
-              <a:rPr lang="en-US" sz="1200" b="0" baseline="0" dirty="0" smtClean="0"/>
+              <a:rPr lang="en-US" sz="1200" b="0" baseline="0" dirty="0"/>
               <a:t> Sections can help to organize your slides or facilitate collaboration between multiple authors.</a:t>
             </a:r>
-            <a:endParaRPr lang="en-US" sz="1200" b="0" dirty="0" smtClean="0"/>
+            <a:endParaRPr lang="en-US" sz="1200" b="0" dirty="0"/>
           </a:p>
           <a:p>
             <a:pPr lvl="0"/>
-            <a:endParaRPr lang="en-US" sz="1200" b="1" dirty="0" smtClean="0"/>
+            <a:endParaRPr lang="en-US" sz="1200" b="1" dirty="0"/>
           </a:p>
           <a:p>
             <a:pPr lvl="0"/>
             <a:r>
-              <a:rPr lang="en-US" sz="1200" b="1" dirty="0" smtClean="0"/>
+              <a:rPr lang="en-US" sz="1200" b="1" dirty="0"/>
               <a:t>Notes</a:t>
             </a:r>
           </a:p>
           <a:p>
             <a:pPr lvl="0"/>
             <a:r>
-              <a:rPr lang="en-US" sz="1200" dirty="0" smtClean="0"/>
+              <a:rPr lang="en-US" sz="1200" dirty="0"/>
               <a:t>Use the Notes section for delivery notes or to provide additional details for the audience.</a:t>
             </a:r>
             <a:r>
-              <a:rPr lang="en-US" sz="1200" baseline="0" dirty="0" smtClean="0"/>
+              <a:rPr lang="en-US" sz="1200" baseline="0" dirty="0"/>
               <a:t> View these notes in Presentation View during your presentation. </a:t>
             </a:r>
           </a:p>
@@ -792,13 +819,13 @@
               <a:buNone/>
             </a:pPr>
             <a:r>
-              <a:rPr lang="en-US" sz="1200" dirty="0" smtClean="0"/>
+              <a:rPr lang="en-US" sz="1200" dirty="0"/>
               <a:t>Keep in mind the font size (important for accessibility, visibility, videotaping, and online production)</a:t>
             </a:r>
           </a:p>
           <a:p>
             <a:pPr lvl="0"/>
-            <a:endParaRPr lang="en-US" sz="1200" dirty="0" smtClean="0"/>
+            <a:endParaRPr lang="en-US" sz="1200" dirty="0"/>
           </a:p>
           <a:p>
             <a:pPr lvl="0">
@@ -806,7 +833,7 @@
               <a:buNone/>
             </a:pPr>
             <a:r>
-              <a:rPr lang="en-US" sz="1200" b="1" dirty="0" smtClean="0"/>
+              <a:rPr lang="en-US" sz="1200" b="1" dirty="0"/>
               <a:t>Coordinated colors </a:t>
             </a:r>
           </a:p>
@@ -816,35 +843,35 @@
               <a:buNone/>
             </a:pPr>
             <a:r>
-              <a:rPr lang="en-US" sz="1200" dirty="0" smtClean="0"/>
+              <a:rPr lang="en-US" sz="1200" dirty="0"/>
               <a:t>Pay particular attention to the graphs, charts, and text boxes.</a:t>
             </a:r>
             <a:r>
-              <a:rPr lang="en-US" sz="1200" baseline="0" dirty="0" smtClean="0"/>
+              <a:rPr lang="en-US" sz="1200" baseline="0" dirty="0"/>
               <a:t> </a:t>
             </a:r>
-            <a:endParaRPr lang="en-US" sz="1200" dirty="0" smtClean="0"/>
+            <a:endParaRPr lang="en-US" sz="1200" dirty="0"/>
           </a:p>
           <a:p>
             <a:pPr lvl="0"/>
             <a:r>
-              <a:rPr lang="en-US" sz="1200" dirty="0" smtClean="0"/>
+              <a:rPr lang="en-US" sz="1200" dirty="0"/>
               <a:t>Consider that attendees will print in black and white or </a:t>
             </a:r>
             <a:r>
-              <a:rPr lang="en-US" sz="1200" dirty="0" err="1" smtClean="0"/>
+              <a:rPr lang="en-US" sz="1200" dirty="0" err="1"/>
               <a:t>grayscale</a:t>
             </a:r>
             <a:r>
-              <a:rPr lang="en-US" sz="1200" dirty="0" smtClean="0"/>
+              <a:rPr lang="en-US" sz="1200" dirty="0"/>
               <a:t>. Run a test print to make sure your colors work when printed in pure black and white and </a:t>
             </a:r>
             <a:r>
-              <a:rPr lang="en-US" sz="1200" dirty="0" err="1" smtClean="0"/>
+              <a:rPr lang="en-US" sz="1200" dirty="0" err="1"/>
               <a:t>grayscale</a:t>
             </a:r>
             <a:r>
-              <a:rPr lang="en-US" sz="1200" dirty="0" smtClean="0"/>
+              <a:rPr lang="en-US" sz="1200" dirty="0"/>
               <a:t>.</a:t>
             </a:r>
           </a:p>
@@ -853,7 +880,7 @@
               <a:buFontTx/>
               <a:buNone/>
             </a:pPr>
-            <a:endParaRPr lang="en-US" sz="1200" dirty="0" smtClean="0"/>
+            <a:endParaRPr lang="en-US" sz="1200" dirty="0"/>
           </a:p>
           <a:p>
             <a:pPr lvl="0">
@@ -861,29 +888,29 @@
               <a:buNone/>
             </a:pPr>
             <a:r>
-              <a:rPr lang="en-US" sz="1200" b="1" dirty="0" smtClean="0"/>
+              <a:rPr lang="en-US" sz="1200" b="1" dirty="0"/>
               <a:t>Graphics, tables, and graphs</a:t>
             </a:r>
           </a:p>
           <a:p>
             <a:pPr lvl="0"/>
             <a:r>
-              <a:rPr lang="en-US" sz="1200" dirty="0" smtClean="0"/>
+              <a:rPr lang="en-US" sz="1200" dirty="0"/>
               <a:t>Keep it simple: If possible, use consistent, non-distracting styles and colors.</a:t>
             </a:r>
           </a:p>
           <a:p>
             <a:pPr lvl="0"/>
             <a:r>
-              <a:rPr lang="en-US" sz="1200" dirty="0" smtClean="0"/>
+              <a:rPr lang="en-US" sz="1200" dirty="0"/>
               <a:t>Label all graphs and tables.</a:t>
             </a:r>
           </a:p>
           <a:p>
-            <a:endParaRPr lang="en-US" dirty="0" smtClean="0"/>
-          </a:p>
-          <a:p>
-            <a:endParaRPr lang="en-US" dirty="0" smtClean="0"/>
+            <a:endParaRPr lang="en-US" dirty="0"/>
+          </a:p>
+          <a:p>
+            <a:endParaRPr lang="en-US" dirty="0"/>
           </a:p>
           <a:p>
             <a:endParaRPr lang="en-US" dirty="0"/>
@@ -974,15 +1001,15 @@
               </a:lnSpc>
             </a:pPr>
             <a:r>
-              <a:rPr lang="en-US" dirty="0" smtClean="0"/>
+              <a:rPr lang="en-US" dirty="0"/>
               <a:t>Give a brief overview of the presentation.</a:t>
             </a:r>
             <a:r>
-              <a:rPr lang="en-US" baseline="0" dirty="0" smtClean="0"/>
+              <a:rPr lang="en-US" baseline="0" dirty="0"/>
               <a:t> D</a:t>
             </a:r>
             <a:r>
-              <a:rPr lang="en-US" dirty="0" smtClean="0"/>
+              <a:rPr lang="en-US" dirty="0"/>
               <a:t>escribe the major focus of the presentation and why it is important.</a:t>
             </a:r>
           </a:p>
@@ -993,21 +1020,21 @@
               </a:lnSpc>
             </a:pPr>
             <a:r>
-              <a:rPr lang="en-US" dirty="0" smtClean="0"/>
+              <a:rPr lang="en-US" dirty="0"/>
               <a:t>Introduce each of the major topics.</a:t>
             </a:r>
           </a:p>
           <a:p>
             <a:r>
-              <a:rPr lang="en-US" dirty="0" smtClean="0"/>
+              <a:rPr lang="en-US" dirty="0"/>
               <a:t>To provide a road map for the audience, you</a:t>
             </a:r>
             <a:r>
-              <a:rPr lang="en-US" baseline="0" dirty="0" smtClean="0"/>
+              <a:rPr lang="en-US" baseline="0" dirty="0"/>
               <a:t> can </a:t>
             </a:r>
             <a:r>
-              <a:rPr lang="en-US" dirty="0" smtClean="0"/>
+              <a:rPr lang="en-US" dirty="0"/>
               <a:t>repeat this Overview slide throughout the presentation, highlighting the particular topic you will discuss next.</a:t>
             </a:r>
           </a:p>
@@ -1093,7 +1120,7 @@
           <a:p>
             <a:pPr fontAlgn="base"/>
             <a:r>
-              <a:rPr lang="vi-VN" sz="1200" b="0" i="0" kern="1200" dirty="0" smtClean="0">
+              <a:rPr lang="vi-VN" sz="1200" b="0" i="0" kern="1200" dirty="0">
                 <a:solidFill>
                   <a:schemeClr val="tx1"/>
                 </a:solidFill>
@@ -1105,7 +1132,7 @@
               <a:t>Giả sử bạn đang làm một dự án, cần sử dụng một số thư viện </a:t>
             </a:r>
             <a:r>
-              <a:rPr lang="vi-VN" sz="1200" b="0" i="0" u="sng" kern="1200" dirty="0" smtClean="0">
+              <a:rPr lang="vi-VN" sz="1200" b="0" i="0" u="sng" kern="1200" dirty="0">
                 <a:solidFill>
                   <a:schemeClr val="tx1"/>
                 </a:solidFill>
@@ -1118,7 +1145,7 @@
               <a:t>thay vì tự code</a:t>
             </a:r>
             <a:r>
-              <a:rPr lang="vi-VN" sz="1200" b="0" i="0" kern="1200" dirty="0" smtClean="0">
+              <a:rPr lang="vi-VN" sz="1200" b="0" i="0" kern="1200" dirty="0">
                 <a:solidFill>
                   <a:schemeClr val="tx1"/>
                 </a:solidFill>
@@ -1133,7 +1160,7 @@
           <a:p>
             <a:pPr fontAlgn="base"/>
             <a:r>
-              <a:rPr lang="vi-VN" sz="1200" b="0" i="0" kern="1200" dirty="0" smtClean="0">
+              <a:rPr lang="vi-VN" sz="1200" b="0" i="0" kern="1200" dirty="0">
                 <a:solidFill>
                   <a:schemeClr val="tx1"/>
                 </a:solidFill>
@@ -1148,7 +1175,7 @@
           <a:p>
             <a:pPr fontAlgn="base"/>
             <a:r>
-              <a:rPr lang="vi-VN" sz="1200" b="0" i="0" kern="1200" dirty="0" smtClean="0">
+              <a:rPr lang="vi-VN" sz="1200" b="0" i="0" kern="1200" dirty="0">
                 <a:solidFill>
                   <a:schemeClr val="tx1"/>
                 </a:solidFill>
@@ -1160,7 +1187,7 @@
               <a:t>Khi commit code vào </a:t>
             </a:r>
             <a:r>
-              <a:rPr lang="vi-VN" sz="1200" b="0" i="0" u="sng" kern="1200" dirty="0" smtClean="0">
+              <a:rPr lang="vi-VN" sz="1200" b="0" i="0" u="sng" kern="1200" dirty="0">
                 <a:solidFill>
                   <a:schemeClr val="tx1"/>
                 </a:solidFill>
@@ -1173,7 +1200,7 @@
               <a:t>source control</a:t>
             </a:r>
             <a:r>
-              <a:rPr lang="vi-VN" sz="1200" b="0" i="0" kern="1200" dirty="0" smtClean="0">
+              <a:rPr lang="vi-VN" sz="1200" b="0" i="0" kern="1200" dirty="0">
                 <a:solidFill>
                   <a:schemeClr val="tx1"/>
                 </a:solidFill>
@@ -1185,7 +1212,7 @@
               <a:t>, ta phải commit cả thư viện vào, </a:t>
             </a:r>
             <a:r>
-              <a:rPr lang="vi-VN" sz="1200" b="1" i="0" kern="1200" dirty="0" smtClean="0">
+              <a:rPr lang="vi-VN" sz="1200" b="1" i="0" kern="1200" dirty="0">
                 <a:solidFill>
                   <a:schemeClr val="tx1"/>
                 </a:solidFill>
@@ -1197,7 +1224,7 @@
               <a:t>rất nhiều và nặng</a:t>
             </a:r>
             <a:r>
-              <a:rPr lang="vi-VN" sz="1200" b="0" i="0" kern="1200" dirty="0" smtClean="0">
+              <a:rPr lang="vi-VN" sz="1200" b="0" i="0" kern="1200" dirty="0">
                 <a:solidFill>
                   <a:schemeClr val="tx1"/>
                 </a:solidFill>
@@ -1212,7 +1239,7 @@
           <a:p>
             <a:pPr fontAlgn="base"/>
             <a:r>
-              <a:rPr lang="vi-VN" sz="1200" b="0" i="0" kern="1200" dirty="0" smtClean="0">
+              <a:rPr lang="vi-VN" sz="1200" b="0" i="0" kern="1200" dirty="0">
                 <a:solidFill>
                   <a:schemeClr val="tx1"/>
                 </a:solidFill>
@@ -1223,15 +1250,6 @@
               </a:rPr>
               <a:t>Khi deploy, ta phải copy luôn thư viện lên, rất chậm và mất thời gian.</a:t>
             </a:r>
-            <a:endParaRPr lang="vi-VN" sz="1200" b="0" i="0" kern="1200" dirty="0">
-              <a:solidFill>
-                <a:schemeClr val="tx1"/>
-              </a:solidFill>
-              <a:effectLst/>
-              <a:latin typeface="+mn-lt"/>
-              <a:ea typeface="+mn-ea"/>
-              <a:cs typeface="+mn-cs"/>
-            </a:endParaRPr>
           </a:p>
         </p:txBody>
       </p:sp>
@@ -1319,7 +1337,7 @@
               </a:lnSpc>
             </a:pPr>
             <a:r>
-              <a:rPr lang="vi-VN" sz="1200" b="0" i="0" kern="1200" dirty="0" smtClean="0">
+              <a:rPr lang="vi-VN" sz="1200" b="0" i="0" kern="1200" dirty="0">
                 <a:solidFill>
                   <a:schemeClr val="tx1"/>
                 </a:solidFill>
@@ -1331,7 +1349,7 @@
               <a:t>Trong cộng đồng Javascript, các lập trình viên chia sẻ hàng trăm nghìn các thư viện với các đoạn code đã thực hiện sẵn một chức năng nào đó. Nó giúp cho các dự án mới tránh phải viết lại các thành phần cơ bản, các thư viện lập trình hay thậm chí cả các </a:t>
             </a:r>
             <a:r>
-              <a:rPr lang="vi-VN" sz="1200" b="0" i="0" u="none" strike="noStrike" kern="1200" dirty="0" smtClean="0">
+              <a:rPr lang="vi-VN" sz="1200" b="0" i="0" u="none" strike="noStrike" kern="1200" dirty="0">
                 <a:solidFill>
                   <a:schemeClr val="tx1"/>
                 </a:solidFill>
@@ -1344,7 +1362,7 @@
               <a:t>framework</a:t>
             </a:r>
             <a:r>
-              <a:rPr lang="vi-VN" sz="1200" b="0" i="0" kern="1200" dirty="0" smtClean="0">
+              <a:rPr lang="vi-VN" sz="1200" b="0" i="0" kern="1200" dirty="0">
                 <a:solidFill>
                   <a:schemeClr val="tx1"/>
                 </a:solidFill>
@@ -1355,7 +1373,7 @@
               </a:rPr>
               <a:t>.</a:t>
             </a:r>
-            <a:endParaRPr lang="en-US" dirty="0" smtClean="0"/>
+            <a:endParaRPr lang="en-US" dirty="0"/>
           </a:p>
         </p:txBody>
       </p:sp>
@@ -1443,7 +1461,7 @@
               </a:lnSpc>
             </a:pPr>
             <a:r>
-              <a:rPr lang="vi-VN" sz="1200" b="0" i="0" kern="1200" dirty="0" smtClean="0">
+              <a:rPr lang="vi-VN" sz="1200" b="0" i="0" kern="1200" dirty="0">
                 <a:solidFill>
                   <a:schemeClr val="tx1"/>
                 </a:solidFill>
@@ -1455,7 +1473,7 @@
               <a:t>công cụ này giúp ta tiết kiệm khá nhiều thời gian với các gói thư việ cần thiết mà project của bạn cần sử dụng, bạn chỉ cần khai báo nó, </a:t>
             </a:r>
             <a:r>
-              <a:rPr lang="vi-VN" sz="1200" b="1" i="0" kern="1200" dirty="0" smtClean="0">
+              <a:rPr lang="vi-VN" sz="1200" b="1" i="0" kern="1200" dirty="0">
                 <a:solidFill>
                   <a:schemeClr val="tx1"/>
                 </a:solidFill>
@@ -1467,7 +1485,7 @@
               <a:t>composer </a:t>
             </a:r>
             <a:r>
-              <a:rPr lang="vi-VN" sz="1200" b="0" i="0" kern="1200" dirty="0" smtClean="0">
+              <a:rPr lang="vi-VN" sz="1200" b="0" i="0" kern="1200" dirty="0">
                 <a:solidFill>
                   <a:schemeClr val="tx1"/>
                 </a:solidFill>
@@ -1478,7 +1496,7 @@
               </a:rPr>
               <a:t>sẽ tự động tải code của các thư viện về thông qua một server cộng đồng.</a:t>
             </a:r>
-            <a:endParaRPr lang="en-US" dirty="0" smtClean="0"/>
+            <a:endParaRPr lang="en-US" dirty="0"/>
           </a:p>
         </p:txBody>
       </p:sp>
@@ -1549,14 +1567,14 @@
           <a:lstStyle/>
           <a:p>
             <a:r>
-              <a:rPr lang="en-US" dirty="0" smtClean="0"/>
+              <a:rPr lang="en-US" dirty="0"/>
               <a:t>Microsoft </a:t>
             </a:r>
             <a:r>
-              <a:rPr lang="en-US" b="1" dirty="0" smtClean="0"/>
+              <a:rPr lang="en-US" b="1" dirty="0"/>
               <a:t>Engineering Excellence</a:t>
             </a:r>
-            <a:endParaRPr lang="en-US" dirty="0" smtClean="0"/>
+            <a:endParaRPr lang="en-US" dirty="0"/>
           </a:p>
         </p:txBody>
       </p:sp>
@@ -1578,7 +1596,7 @@
           <a:lstStyle/>
           <a:p>
             <a:r>
-              <a:rPr lang="en-US" dirty="0" smtClean="0"/>
+              <a:rPr lang="en-US" dirty="0"/>
               <a:t>Microsoft Confidential</a:t>
             </a:r>
           </a:p>
@@ -1606,7 +1624,7 @@
               <a:pPr/>
               <a:t>6</a:t>
             </a:fld>
-            <a:endParaRPr lang="en-US" dirty="0" smtClean="0"/>
+            <a:endParaRPr lang="en-US" dirty="0"/>
           </a:p>
         </p:txBody>
       </p:sp>
@@ -1651,13 +1669,13 @@
           <a:lstStyle/>
           <a:p>
             <a:r>
-              <a:rPr lang="en-US" dirty="0" smtClean="0"/>
+              <a:rPr lang="en-US" dirty="0"/>
               <a:t>Is your presentation as crisp as possible? Consider moving extra content to the appendix.</a:t>
             </a:r>
           </a:p>
           <a:p>
             <a:r>
-              <a:rPr lang="en-US" dirty="0" smtClean="0"/>
+              <a:rPr lang="en-US" dirty="0"/>
               <a:t>Use appendix slides to store content that you might want to refer to during the Question slide or that may be useful for attendees to investigate deeper in the future.</a:t>
             </a:r>
           </a:p>
@@ -1666,16 +1684,16 @@
               <a:buFontTx/>
               <a:buNone/>
             </a:pPr>
-            <a:endParaRPr lang="en-US" dirty="0" smtClean="0"/>
-          </a:p>
-          <a:p>
-            <a:endParaRPr lang="en-US" dirty="0" smtClean="0"/>
-          </a:p>
-          <a:p>
-            <a:endParaRPr lang="en-US" dirty="0" smtClean="0"/>
-          </a:p>
-          <a:p>
-            <a:endParaRPr lang="en-US" dirty="0" smtClean="0"/>
+            <a:endParaRPr lang="en-US" dirty="0"/>
+          </a:p>
+          <a:p>
+            <a:endParaRPr lang="en-US" dirty="0"/>
+          </a:p>
+          <a:p>
+            <a:endParaRPr lang="en-US" dirty="0"/>
+          </a:p>
+          <a:p>
+            <a:endParaRPr lang="en-US" dirty="0"/>
           </a:p>
         </p:txBody>
       </p:sp>
@@ -1762,10 +1780,9 @@
           </a:lstStyle>
           <a:p>
             <a:r>
-              <a:rPr lang="en-US" dirty="0" smtClean="0"/>
+              <a:rPr lang="en-US" dirty="0"/>
               <a:t>Click to edit master title style</a:t>
             </a:r>
-            <a:endParaRPr lang="en-US" dirty="0"/>
           </a:p>
         </p:txBody>
       </p:sp>
@@ -1882,7 +1899,7 @@
           </a:lstStyle>
           <a:p>
             <a:r>
-              <a:rPr lang="en-US" smtClean="0"/>
+              <a:rPr lang="en-US"/>
               <a:t>Click to edit Master subtitle style</a:t>
             </a:r>
             <a:endParaRPr lang="en-US" dirty="0"/>
@@ -1946,10 +1963,9 @@
           </a:lstStyle>
           <a:p>
             <a:r>
-              <a:rPr lang="en-US" dirty="0" smtClean="0"/>
+              <a:rPr lang="en-US" dirty="0"/>
               <a:t>Company Logo</a:t>
             </a:r>
-            <a:endParaRPr lang="en-US" dirty="0"/>
           </a:p>
         </p:txBody>
       </p:sp>
@@ -2130,10 +2146,9 @@
           <a:lstStyle/>
           <a:p>
             <a:r>
-              <a:rPr lang="en-US" smtClean="0"/>
+              <a:rPr lang="en-US"/>
               <a:t>Click to edit Master title style</a:t>
             </a:r>
-            <a:endParaRPr lang="en-US"/>
           </a:p>
         </p:txBody>
       </p:sp>
@@ -2155,7 +2170,7 @@
             <a:fld id="{757B281C-5159-4971-8228-52B9A72E9ED2}" type="datetimeFigureOut">
               <a:rPr lang="en-US" smtClean="0"/>
               <a:pPr/>
-              <a:t>6/27/2020</a:t>
+              <a:t>6/28/2020</a:t>
             </a:fld>
             <a:endParaRPr lang="en-US" dirty="0"/>
           </a:p>
@@ -2212,13 +2227,6 @@
   <p:transition spd="slow">
     <p:wipe dir="d"/>
   </p:transition>
-  <p:timing>
-    <p:tnLst>
-      <p:par>
-        <p:cTn id="1" dur="indefinite" restart="never" nodeType="tmRoot"/>
-      </p:par>
-    </p:tnLst>
-  </p:timing>
 </p:sldLayout>
 </file>
 
@@ -2257,7 +2265,7 @@
             <a:fld id="{757B281C-5159-4971-8228-52B9A72E9ED2}" type="datetimeFigureOut">
               <a:rPr lang="en-US" smtClean="0"/>
               <a:pPr/>
-              <a:t>6/27/2020</a:t>
+              <a:t>6/28/2020</a:t>
             </a:fld>
             <a:endParaRPr lang="en-US" dirty="0"/>
           </a:p>
@@ -2314,13 +2322,6 @@
   <p:transition spd="slow">
     <p:wipe dir="d"/>
   </p:transition>
-  <p:timing>
-    <p:tnLst>
-      <p:par>
-        <p:cTn id="1" dur="indefinite" restart="never" nodeType="tmRoot"/>
-      </p:par>
-    </p:tnLst>
-  </p:timing>
 </p:sldLayout>
 </file>
 
@@ -2393,7 +2394,7 @@
             <a:fld id="{757B281C-5159-4971-8228-52B9A72E9ED2}" type="datetimeFigureOut">
               <a:rPr lang="en-US" smtClean="0"/>
               <a:pPr/>
-              <a:t>6/27/2020</a:t>
+              <a:t>6/28/2020</a:t>
             </a:fld>
             <a:endParaRPr lang="en-US" dirty="0"/>
           </a:p>
@@ -2460,13 +2461,6 @@
   <p:transition spd="slow">
     <p:wipe dir="d"/>
   </p:transition>
-  <p:timing>
-    <p:tnLst>
-      <p:par>
-        <p:cTn id="1" dur="indefinite" restart="never" nodeType="tmRoot"/>
-      </p:par>
-    </p:tnLst>
-  </p:timing>
 </p:sldLayout>
 </file>
 
@@ -2574,10 +2568,9 @@
           </a:lstStyle>
           <a:p>
             <a:r>
-              <a:rPr lang="en-US" dirty="0" smtClean="0"/>
+              <a:rPr lang="en-US" dirty="0"/>
               <a:t>Click to edit master title style</a:t>
             </a:r>
-            <a:endParaRPr lang="en-US" dirty="0"/>
           </a:p>
         </p:txBody>
       </p:sp>
@@ -2599,7 +2592,7 @@
             <a:fld id="{757B281C-5159-4971-8228-52B9A72E9ED2}" type="datetimeFigureOut">
               <a:rPr lang="en-US" smtClean="0"/>
               <a:pPr/>
-              <a:t>6/27/2020</a:t>
+              <a:t>6/28/2020</a:t>
             </a:fld>
             <a:endParaRPr lang="en-US" dirty="0"/>
           </a:p>
@@ -2676,10 +2669,9 @@
           </a:lstStyle>
           <a:p>
             <a:r>
-              <a:rPr lang="en-US" dirty="0" smtClean="0"/>
+              <a:rPr lang="en-US" dirty="0"/>
               <a:t>Company Logo</a:t>
             </a:r>
-            <a:endParaRPr lang="en-US" dirty="0"/>
           </a:p>
         </p:txBody>
       </p:sp>
@@ -2888,10 +2880,9 @@
           </a:lstStyle>
           <a:p>
             <a:r>
-              <a:rPr lang="en-US" dirty="0" smtClean="0"/>
+              <a:rPr lang="en-US" dirty="0"/>
               <a:t>Click To Edit Master Title Style</a:t>
             </a:r>
-            <a:endParaRPr lang="en-US" dirty="0"/>
           </a:p>
         </p:txBody>
       </p:sp>
@@ -2945,35 +2936,35 @@
           <a:p>
             <a:pPr lvl="0"/>
             <a:r>
-              <a:rPr lang="en-US" smtClean="0"/>
+              <a:rPr lang="en-US"/>
               <a:t>Click to edit Master text styles</a:t>
             </a:r>
           </a:p>
           <a:p>
             <a:pPr lvl="1"/>
             <a:r>
-              <a:rPr lang="en-US" smtClean="0"/>
+              <a:rPr lang="en-US"/>
               <a:t>Second level</a:t>
             </a:r>
           </a:p>
           <a:p>
             <a:pPr lvl="2"/>
             <a:r>
-              <a:rPr lang="en-US" smtClean="0"/>
+              <a:rPr lang="en-US"/>
               <a:t>Third level</a:t>
             </a:r>
           </a:p>
           <a:p>
             <a:pPr lvl="3"/>
             <a:r>
-              <a:rPr lang="en-US" smtClean="0"/>
+              <a:rPr lang="en-US"/>
               <a:t>Fourth level</a:t>
             </a:r>
           </a:p>
           <a:p>
             <a:pPr lvl="4"/>
             <a:r>
-              <a:rPr lang="en-US" smtClean="0"/>
+              <a:rPr lang="en-US"/>
               <a:t>Fifth level</a:t>
             </a:r>
             <a:endParaRPr lang="en-US" dirty="0"/>
@@ -2998,7 +2989,7 @@
             <a:fld id="{757B281C-5159-4971-8228-52B9A72E9ED2}" type="datetimeFigureOut">
               <a:rPr lang="en-US" smtClean="0"/>
               <a:pPr/>
-              <a:t>6/27/2020</a:t>
+              <a:t>6/28/2020</a:t>
             </a:fld>
             <a:endParaRPr lang="en-US" dirty="0"/>
           </a:p>
@@ -3060,13 +3051,6 @@
   <p:transition spd="slow">
     <p:wipe dir="d"/>
   </p:transition>
-  <p:timing>
-    <p:tnLst>
-      <p:par>
-        <p:cTn id="1" dur="indefinite" restart="never" nodeType="tmRoot"/>
-      </p:par>
-    </p:tnLst>
-  </p:timing>
 </p:sldLayout>
 </file>
 
@@ -3103,10 +3087,9 @@
           <a:lstStyle/>
           <a:p>
             <a:r>
-              <a:rPr lang="en-US" smtClean="0"/>
+              <a:rPr lang="en-US"/>
               <a:t>Click to edit Master title style</a:t>
             </a:r>
-            <a:endParaRPr lang="en-US"/>
           </a:p>
         </p:txBody>
       </p:sp>
@@ -3160,38 +3143,37 @@
           <a:p>
             <a:pPr lvl="0"/>
             <a:r>
-              <a:rPr lang="en-US" smtClean="0"/>
+              <a:rPr lang="en-US"/>
               <a:t>Click to edit Master text styles</a:t>
             </a:r>
           </a:p>
           <a:p>
             <a:pPr lvl="1"/>
             <a:r>
-              <a:rPr lang="en-US" smtClean="0"/>
+              <a:rPr lang="en-US"/>
               <a:t>Second level</a:t>
             </a:r>
           </a:p>
           <a:p>
             <a:pPr lvl="2"/>
             <a:r>
-              <a:rPr lang="en-US" smtClean="0"/>
+              <a:rPr lang="en-US"/>
               <a:t>Third level</a:t>
             </a:r>
           </a:p>
           <a:p>
             <a:pPr lvl="3"/>
             <a:r>
-              <a:rPr lang="en-US" smtClean="0"/>
+              <a:rPr lang="en-US"/>
               <a:t>Fourth level</a:t>
             </a:r>
           </a:p>
           <a:p>
             <a:pPr lvl="4"/>
             <a:r>
-              <a:rPr lang="en-US" smtClean="0"/>
+              <a:rPr lang="en-US"/>
               <a:t>Fifth level</a:t>
             </a:r>
-            <a:endParaRPr lang="en-US"/>
           </a:p>
         </p:txBody>
       </p:sp>
@@ -3245,38 +3227,37 @@
           <a:p>
             <a:pPr lvl="0"/>
             <a:r>
-              <a:rPr lang="en-US" smtClean="0"/>
+              <a:rPr lang="en-US"/>
               <a:t>Click to edit Master text styles</a:t>
             </a:r>
           </a:p>
           <a:p>
             <a:pPr lvl="1"/>
             <a:r>
-              <a:rPr lang="en-US" smtClean="0"/>
+              <a:rPr lang="en-US"/>
               <a:t>Second level</a:t>
             </a:r>
           </a:p>
           <a:p>
             <a:pPr lvl="2"/>
             <a:r>
-              <a:rPr lang="en-US" smtClean="0"/>
+              <a:rPr lang="en-US"/>
               <a:t>Third level</a:t>
             </a:r>
           </a:p>
           <a:p>
             <a:pPr lvl="3"/>
             <a:r>
-              <a:rPr lang="en-US" smtClean="0"/>
+              <a:rPr lang="en-US"/>
               <a:t>Fourth level</a:t>
             </a:r>
           </a:p>
           <a:p>
             <a:pPr lvl="4"/>
             <a:r>
-              <a:rPr lang="en-US" smtClean="0"/>
+              <a:rPr lang="en-US"/>
               <a:t>Fifth level</a:t>
             </a:r>
-            <a:endParaRPr lang="en-US"/>
           </a:p>
         </p:txBody>
       </p:sp>
@@ -3298,7 +3279,7 @@
             <a:fld id="{757B281C-5159-4971-8228-52B9A72E9ED2}" type="datetimeFigureOut">
               <a:rPr lang="en-US" smtClean="0"/>
               <a:pPr/>
-              <a:t>6/27/2020</a:t>
+              <a:t>6/28/2020</a:t>
             </a:fld>
             <a:endParaRPr lang="en-US" dirty="0"/>
           </a:p>
@@ -3355,13 +3336,6 @@
   <p:transition spd="slow">
     <p:wipe dir="d"/>
   </p:transition>
-  <p:timing>
-    <p:tnLst>
-      <p:par>
-        <p:cTn id="1" dur="indefinite" restart="never" nodeType="tmRoot"/>
-      </p:par>
-    </p:tnLst>
-  </p:timing>
 </p:sldLayout>
 </file>
 
@@ -3402,10 +3376,9 @@
           </a:lstStyle>
           <a:p>
             <a:r>
-              <a:rPr lang="en-US" smtClean="0"/>
+              <a:rPr lang="en-US"/>
               <a:t>Click to edit Master title style</a:t>
             </a:r>
-            <a:endParaRPr lang="en-US"/>
           </a:p>
         </p:txBody>
       </p:sp>
@@ -3468,7 +3441,7 @@
           <a:p>
             <a:pPr lvl="0"/>
             <a:r>
-              <a:rPr lang="en-US" smtClean="0"/>
+              <a:rPr lang="en-US"/>
               <a:t>Click to edit Master text styles</a:t>
             </a:r>
           </a:p>
@@ -3524,38 +3497,37 @@
           <a:p>
             <a:pPr lvl="0"/>
             <a:r>
-              <a:rPr lang="en-US" smtClean="0"/>
+              <a:rPr lang="en-US"/>
               <a:t>Click to edit Master text styles</a:t>
             </a:r>
           </a:p>
           <a:p>
             <a:pPr lvl="1"/>
             <a:r>
-              <a:rPr lang="en-US" smtClean="0"/>
+              <a:rPr lang="en-US"/>
               <a:t>Second level</a:t>
             </a:r>
           </a:p>
           <a:p>
             <a:pPr lvl="2"/>
             <a:r>
-              <a:rPr lang="en-US" smtClean="0"/>
+              <a:rPr lang="en-US"/>
               <a:t>Third level</a:t>
             </a:r>
           </a:p>
           <a:p>
             <a:pPr lvl="3"/>
             <a:r>
-              <a:rPr lang="en-US" smtClean="0"/>
+              <a:rPr lang="en-US"/>
               <a:t>Fourth level</a:t>
             </a:r>
           </a:p>
           <a:p>
             <a:pPr lvl="4"/>
             <a:r>
-              <a:rPr lang="en-US" smtClean="0"/>
+              <a:rPr lang="en-US"/>
               <a:t>Fifth level</a:t>
             </a:r>
-            <a:endParaRPr lang="en-US"/>
           </a:p>
         </p:txBody>
       </p:sp>
@@ -3618,7 +3590,7 @@
           <a:p>
             <a:pPr lvl="0"/>
             <a:r>
-              <a:rPr lang="en-US" smtClean="0"/>
+              <a:rPr lang="en-US"/>
               <a:t>Click to edit Master text styles</a:t>
             </a:r>
           </a:p>
@@ -3674,38 +3646,37 @@
           <a:p>
             <a:pPr lvl="0"/>
             <a:r>
-              <a:rPr lang="en-US" smtClean="0"/>
+              <a:rPr lang="en-US"/>
               <a:t>Click to edit Master text styles</a:t>
             </a:r>
           </a:p>
           <a:p>
             <a:pPr lvl="1"/>
             <a:r>
-              <a:rPr lang="en-US" smtClean="0"/>
+              <a:rPr lang="en-US"/>
               <a:t>Second level</a:t>
             </a:r>
           </a:p>
           <a:p>
             <a:pPr lvl="2"/>
             <a:r>
-              <a:rPr lang="en-US" smtClean="0"/>
+              <a:rPr lang="en-US"/>
               <a:t>Third level</a:t>
             </a:r>
           </a:p>
           <a:p>
             <a:pPr lvl="3"/>
             <a:r>
-              <a:rPr lang="en-US" smtClean="0"/>
+              <a:rPr lang="en-US"/>
               <a:t>Fourth level</a:t>
             </a:r>
           </a:p>
           <a:p>
             <a:pPr lvl="4"/>
             <a:r>
-              <a:rPr lang="en-US" smtClean="0"/>
+              <a:rPr lang="en-US"/>
               <a:t>Fifth level</a:t>
             </a:r>
-            <a:endParaRPr lang="en-US"/>
           </a:p>
         </p:txBody>
       </p:sp>
@@ -3727,7 +3698,7 @@
             <a:fld id="{757B281C-5159-4971-8228-52B9A72E9ED2}" type="datetimeFigureOut">
               <a:rPr lang="en-US" smtClean="0"/>
               <a:pPr/>
-              <a:t>6/27/2020</a:t>
+              <a:t>6/28/2020</a:t>
             </a:fld>
             <a:endParaRPr lang="en-US" dirty="0"/>
           </a:p>
@@ -3829,10 +3800,9 @@
           </a:lstStyle>
           <a:p>
             <a:r>
-              <a:rPr lang="en-US" smtClean="0"/>
+              <a:rPr lang="en-US"/>
               <a:t>Click to edit Master title style</a:t>
             </a:r>
-            <a:endParaRPr lang="en-US"/>
           </a:p>
         </p:txBody>
       </p:sp>
@@ -3886,38 +3856,37 @@
           <a:p>
             <a:pPr lvl="0"/>
             <a:r>
-              <a:rPr lang="en-US" smtClean="0"/>
+              <a:rPr lang="en-US"/>
               <a:t>Click to edit Master text styles</a:t>
             </a:r>
           </a:p>
           <a:p>
             <a:pPr lvl="1"/>
             <a:r>
-              <a:rPr lang="en-US" smtClean="0"/>
+              <a:rPr lang="en-US"/>
               <a:t>Second level</a:t>
             </a:r>
           </a:p>
           <a:p>
             <a:pPr lvl="2"/>
             <a:r>
-              <a:rPr lang="en-US" smtClean="0"/>
+              <a:rPr lang="en-US"/>
               <a:t>Third level</a:t>
             </a:r>
           </a:p>
           <a:p>
             <a:pPr lvl="3"/>
             <a:r>
-              <a:rPr lang="en-US" smtClean="0"/>
+              <a:rPr lang="en-US"/>
               <a:t>Fourth level</a:t>
             </a:r>
           </a:p>
           <a:p>
             <a:pPr lvl="4"/>
             <a:r>
-              <a:rPr lang="en-US" smtClean="0"/>
+              <a:rPr lang="en-US"/>
               <a:t>Fifth level</a:t>
             </a:r>
-            <a:endParaRPr lang="en-US"/>
           </a:p>
         </p:txBody>
       </p:sp>
@@ -3980,7 +3949,7 @@
           <a:p>
             <a:pPr lvl="0"/>
             <a:r>
-              <a:rPr lang="en-US" smtClean="0"/>
+              <a:rPr lang="en-US"/>
               <a:t>Click to edit Master text styles</a:t>
             </a:r>
           </a:p>
@@ -4004,7 +3973,7 @@
             <a:fld id="{757B281C-5159-4971-8228-52B9A72E9ED2}" type="datetimeFigureOut">
               <a:rPr lang="en-US" smtClean="0"/>
               <a:pPr/>
-              <a:t>6/27/2020</a:t>
+              <a:t>6/28/2020</a:t>
             </a:fld>
             <a:endParaRPr lang="en-US" dirty="0"/>
           </a:p>
@@ -4061,13 +4030,6 @@
   <p:transition spd="slow">
     <p:wipe dir="d"/>
   </p:transition>
-  <p:timing>
-    <p:tnLst>
-      <p:par>
-        <p:cTn id="1" dur="indefinite" restart="never" nodeType="tmRoot"/>
-      </p:par>
-    </p:tnLst>
-  </p:timing>
 </p:sldLayout>
 </file>
 
@@ -4113,10 +4075,9 @@
           </a:lstStyle>
           <a:p>
             <a:r>
-              <a:rPr lang="en-US" smtClean="0"/>
+              <a:rPr lang="en-US"/>
               <a:t>Click to edit Master title style</a:t>
             </a:r>
-            <a:endParaRPr lang="en-US"/>
           </a:p>
         </p:txBody>
       </p:sp>
@@ -4178,7 +4139,7 @@
           </a:lstStyle>
           <a:p>
             <a:r>
-              <a:rPr lang="en-US" smtClean="0"/>
+              <a:rPr lang="en-US"/>
               <a:t>Click icon to add picture</a:t>
             </a:r>
             <a:endParaRPr lang="en-US" dirty="0"/>
@@ -4244,7 +4205,7 @@
           <a:p>
             <a:pPr lvl="0"/>
             <a:r>
-              <a:rPr lang="en-US" smtClean="0"/>
+              <a:rPr lang="en-US"/>
               <a:t>Click to edit Master text styles</a:t>
             </a:r>
           </a:p>
@@ -4268,7 +4229,7 @@
             <a:fld id="{757B281C-5159-4971-8228-52B9A72E9ED2}" type="datetimeFigureOut">
               <a:rPr lang="en-US" smtClean="0"/>
               <a:pPr/>
-              <a:t>6/27/2020</a:t>
+              <a:t>6/28/2020</a:t>
             </a:fld>
             <a:endParaRPr lang="en-US" dirty="0"/>
           </a:p>
@@ -4361,10 +4322,9 @@
           <a:lstStyle/>
           <a:p>
             <a:r>
-              <a:rPr lang="en-US" smtClean="0"/>
+              <a:rPr lang="en-US"/>
               <a:t>Click to edit Master title style</a:t>
             </a:r>
-            <a:endParaRPr lang="en-US"/>
           </a:p>
         </p:txBody>
       </p:sp>
@@ -4385,38 +4345,37 @@
           <a:p>
             <a:pPr lvl="0"/>
             <a:r>
-              <a:rPr lang="en-US" smtClean="0"/>
+              <a:rPr lang="en-US"/>
               <a:t>Click to edit Master text styles</a:t>
             </a:r>
           </a:p>
           <a:p>
             <a:pPr lvl="1"/>
             <a:r>
-              <a:rPr lang="en-US" smtClean="0"/>
+              <a:rPr lang="en-US"/>
               <a:t>Second level</a:t>
             </a:r>
           </a:p>
           <a:p>
             <a:pPr lvl="2"/>
             <a:r>
-              <a:rPr lang="en-US" smtClean="0"/>
+              <a:rPr lang="en-US"/>
               <a:t>Third level</a:t>
             </a:r>
           </a:p>
           <a:p>
             <a:pPr lvl="3"/>
             <a:r>
-              <a:rPr lang="en-US" smtClean="0"/>
+              <a:rPr lang="en-US"/>
               <a:t>Fourth level</a:t>
             </a:r>
           </a:p>
           <a:p>
             <a:pPr lvl="4"/>
             <a:r>
-              <a:rPr lang="en-US" smtClean="0"/>
+              <a:rPr lang="en-US"/>
               <a:t>Fifth level</a:t>
             </a:r>
-            <a:endParaRPr lang="en-US"/>
           </a:p>
         </p:txBody>
       </p:sp>
@@ -4438,7 +4397,7 @@
             <a:fld id="{757B281C-5159-4971-8228-52B9A72E9ED2}" type="datetimeFigureOut">
               <a:rPr lang="en-US" smtClean="0"/>
               <a:pPr/>
-              <a:t>6/27/2020</a:t>
+              <a:t>6/28/2020</a:t>
             </a:fld>
             <a:endParaRPr lang="en-US" dirty="0"/>
           </a:p>
@@ -4536,10 +4495,9 @@
           <a:lstStyle/>
           <a:p>
             <a:r>
-              <a:rPr lang="en-US" smtClean="0"/>
+              <a:rPr lang="en-US"/>
               <a:t>Click to edit Master title style</a:t>
             </a:r>
-            <a:endParaRPr lang="en-US"/>
           </a:p>
         </p:txBody>
       </p:sp>
@@ -4565,38 +4523,37 @@
           <a:p>
             <a:pPr lvl="0"/>
             <a:r>
-              <a:rPr lang="en-US" smtClean="0"/>
+              <a:rPr lang="en-US"/>
               <a:t>Click to edit Master text styles</a:t>
             </a:r>
           </a:p>
           <a:p>
             <a:pPr lvl="1"/>
             <a:r>
-              <a:rPr lang="en-US" smtClean="0"/>
+              <a:rPr lang="en-US"/>
               <a:t>Second level</a:t>
             </a:r>
           </a:p>
           <a:p>
             <a:pPr lvl="2"/>
             <a:r>
-              <a:rPr lang="en-US" smtClean="0"/>
+              <a:rPr lang="en-US"/>
               <a:t>Third level</a:t>
             </a:r>
           </a:p>
           <a:p>
             <a:pPr lvl="3"/>
             <a:r>
-              <a:rPr lang="en-US" smtClean="0"/>
+              <a:rPr lang="en-US"/>
               <a:t>Fourth level</a:t>
             </a:r>
           </a:p>
           <a:p>
             <a:pPr lvl="4"/>
             <a:r>
-              <a:rPr lang="en-US" smtClean="0"/>
+              <a:rPr lang="en-US"/>
               <a:t>Fifth level</a:t>
             </a:r>
-            <a:endParaRPr lang="en-US"/>
           </a:p>
         </p:txBody>
       </p:sp>
@@ -4618,7 +4575,7 @@
             <a:fld id="{757B281C-5159-4971-8228-52B9A72E9ED2}" type="datetimeFigureOut">
               <a:rPr lang="en-US" smtClean="0"/>
               <a:pPr/>
-              <a:t>6/27/2020</a:t>
+              <a:t>6/28/2020</a:t>
             </a:fld>
             <a:endParaRPr lang="en-US" dirty="0"/>
           </a:p>
@@ -4755,7 +4712,7 @@
           <a:lstStyle/>
           <a:p>
             <a:r>
-              <a:rPr lang="en-US" smtClean="0"/>
+              <a:rPr lang="en-US"/>
               <a:t>Click to edit Master title style</a:t>
             </a:r>
             <a:endParaRPr lang="en-US" dirty="0"/>
@@ -4789,35 +4746,35 @@
           <a:p>
             <a:pPr lvl="0"/>
             <a:r>
-              <a:rPr lang="en-US" smtClean="0"/>
+              <a:rPr lang="en-US"/>
               <a:t>Click to edit Master text styles</a:t>
             </a:r>
           </a:p>
           <a:p>
             <a:pPr lvl="1"/>
             <a:r>
-              <a:rPr lang="en-US" smtClean="0"/>
+              <a:rPr lang="en-US"/>
               <a:t>Second level</a:t>
             </a:r>
           </a:p>
           <a:p>
             <a:pPr lvl="2"/>
             <a:r>
-              <a:rPr lang="en-US" smtClean="0"/>
+              <a:rPr lang="en-US"/>
               <a:t>Third level</a:t>
             </a:r>
           </a:p>
           <a:p>
             <a:pPr lvl="3"/>
             <a:r>
-              <a:rPr lang="en-US" smtClean="0"/>
+              <a:rPr lang="en-US"/>
               <a:t>Fourth level</a:t>
             </a:r>
           </a:p>
           <a:p>
             <a:pPr lvl="4"/>
             <a:r>
-              <a:rPr lang="en-US" smtClean="0"/>
+              <a:rPr lang="en-US"/>
               <a:t>Fifth level</a:t>
             </a:r>
             <a:endParaRPr lang="en-US" dirty="0"/>
@@ -4860,7 +4817,7 @@
             <a:fld id="{757B281C-5159-4971-8228-52B9A72E9ED2}" type="datetimeFigureOut">
               <a:rPr lang="en-US" smtClean="0"/>
               <a:pPr/>
-              <a:t>6/27/2020</a:t>
+              <a:t>6/28/2020</a:t>
             </a:fld>
             <a:endParaRPr lang="en-US" dirty="0"/>
           </a:p>
@@ -4994,13 +4951,6 @@
   <p:transition spd="slow">
     <p:wipe dir="d"/>
   </p:transition>
-  <p:timing>
-    <p:tnLst>
-      <p:par>
-        <p:cTn id="1" dur="indefinite" restart="never" nodeType="tmRoot"/>
-      </p:par>
-    </p:tnLst>
-  </p:timing>
   <p:txStyles>
     <p:titleStyle>
       <a:lvl1pPr algn="l" defTabSz="914400" rtl="0" eaLnBrk="1" latinLnBrk="0" hangingPunct="1">
@@ -5298,21 +5248,20 @@
           <a:p>
             <a:pPr algn="ctr"/>
             <a:r>
-              <a:rPr lang="en-US" sz="5400" dirty="0" smtClean="0"/>
+              <a:rPr lang="en-US" sz="5400" dirty="0"/>
               <a:t>PACKAGE MANAGER</a:t>
             </a:r>
             <a:br>
-              <a:rPr lang="en-US" sz="5400" dirty="0" smtClean="0"/>
+              <a:rPr lang="en-US" sz="5400" dirty="0"/>
             </a:br>
             <a:r>
-              <a:rPr lang="en-US" sz="5400" dirty="0" err="1" smtClean="0"/>
+              <a:rPr lang="en-US" sz="5400" dirty="0" err="1"/>
               <a:t>npm</a:t>
             </a:r>
             <a:r>
-              <a:rPr lang="en-US" sz="5400" dirty="0" smtClean="0"/>
+              <a:rPr lang="en-US" sz="5400" dirty="0"/>
               <a:t>/composer </a:t>
             </a:r>
-            <a:endParaRPr lang="en-US" sz="5400" dirty="0"/>
           </a:p>
         </p:txBody>
       </p:sp>
@@ -5343,7 +5292,7 @@
           <a:p>
             <a:pPr algn="l"/>
             <a:r>
-              <a:rPr lang="en-US" sz="2600" dirty="0" err="1" smtClean="0">
+              <a:rPr lang="en-US" sz="2600" dirty="0" err="1">
                 <a:solidFill>
                   <a:schemeClr val="tx1">
                     <a:lumMod val="95000"/>
@@ -5355,7 +5304,7 @@
               <a:t>Nhóm</a:t>
             </a:r>
             <a:r>
-              <a:rPr lang="en-US" sz="2600" dirty="0" smtClean="0">
+              <a:rPr lang="en-US" sz="2600" dirty="0">
                 <a:solidFill>
                   <a:schemeClr val="tx1">
                     <a:lumMod val="95000"/>
@@ -5366,20 +5315,11 @@
               </a:rPr>
               <a:t> 1:</a:t>
             </a:r>
-            <a:endParaRPr lang="en-US" sz="2600" dirty="0" smtClean="0">
-              <a:solidFill>
-                <a:schemeClr val="tx1">
-                  <a:lumMod val="95000"/>
-                  <a:lumOff val="5000"/>
-                </a:schemeClr>
-              </a:solidFill>
-              <a:latin typeface="+mn-lt"/>
-            </a:endParaRPr>
           </a:p>
           <a:p>
             <a:pPr algn="ctr"/>
             <a:r>
-              <a:rPr lang="en-US" sz="2600" dirty="0" err="1" smtClean="0">
+              <a:rPr lang="en-US" sz="2600" dirty="0" err="1">
                 <a:solidFill>
                   <a:schemeClr val="tx1">
                     <a:lumMod val="95000"/>
@@ -5391,7 +5331,7 @@
               <a:t>Nguyễn</a:t>
             </a:r>
             <a:r>
-              <a:rPr lang="en-US" sz="2600" dirty="0" smtClean="0">
+              <a:rPr lang="en-US" sz="2600" dirty="0">
                 <a:solidFill>
                   <a:schemeClr val="tx1">
                     <a:lumMod val="95000"/>
@@ -5403,7 +5343,7 @@
               <a:t> </a:t>
             </a:r>
             <a:r>
-              <a:rPr lang="en-US" sz="2600" dirty="0" err="1" smtClean="0">
+              <a:rPr lang="en-US" sz="2600" dirty="0" err="1">
                 <a:solidFill>
                   <a:schemeClr val="tx1">
                     <a:lumMod val="95000"/>
@@ -5415,7 +5355,7 @@
               <a:t>Đức</a:t>
             </a:r>
             <a:r>
-              <a:rPr lang="en-US" sz="2600" dirty="0" smtClean="0">
+              <a:rPr lang="en-US" sz="2600" dirty="0">
                 <a:solidFill>
                   <a:schemeClr val="tx1">
                     <a:lumMod val="95000"/>
@@ -5427,7 +5367,7 @@
               <a:t> </a:t>
             </a:r>
             <a:r>
-              <a:rPr lang="en-US" sz="2600" dirty="0" err="1" smtClean="0">
+              <a:rPr lang="en-US" sz="2600" dirty="0" err="1">
                 <a:solidFill>
                   <a:schemeClr val="tx1">
                     <a:lumMod val="95000"/>
@@ -5438,7 +5378,7 @@
               </a:rPr>
               <a:t>Thành</a:t>
             </a:r>
-            <a:endParaRPr lang="en-US" sz="2600" dirty="0" smtClean="0">
+            <a:endParaRPr lang="en-US" sz="2600" dirty="0">
               <a:solidFill>
                 <a:schemeClr val="tx1">
                   <a:lumMod val="95000"/>
@@ -5451,7 +5391,7 @@
           <a:p>
             <a:pPr algn="ctr"/>
             <a:r>
-              <a:rPr lang="en-US" sz="2600" dirty="0" err="1" smtClean="0">
+              <a:rPr lang="en-US" sz="2600" dirty="0" err="1">
                 <a:solidFill>
                   <a:schemeClr val="tx1">
                     <a:lumMod val="95000"/>
@@ -5463,7 +5403,7 @@
               <a:t>Trịnh</a:t>
             </a:r>
             <a:r>
-              <a:rPr lang="en-US" sz="2600" dirty="0" smtClean="0">
+              <a:rPr lang="en-US" sz="2600" dirty="0">
                 <a:solidFill>
                   <a:schemeClr val="tx1">
                     <a:lumMod val="95000"/>
@@ -5475,7 +5415,7 @@
               <a:t> </a:t>
             </a:r>
             <a:r>
-              <a:rPr lang="en-US" sz="2600" dirty="0" err="1" smtClean="0">
+              <a:rPr lang="en-US" sz="2600" dirty="0" err="1">
                 <a:solidFill>
                   <a:schemeClr val="tx1">
                     <a:lumMod val="95000"/>
@@ -5487,7 +5427,7 @@
               <a:t>Văn</a:t>
             </a:r>
             <a:r>
-              <a:rPr lang="en-US" sz="2600" dirty="0" smtClean="0">
+              <a:rPr lang="en-US" sz="2600" dirty="0">
                 <a:solidFill>
                   <a:schemeClr val="tx1">
                     <a:lumMod val="95000"/>
@@ -5499,7 +5439,7 @@
               <a:t> </a:t>
             </a:r>
             <a:r>
-              <a:rPr lang="en-US" sz="2600" dirty="0" err="1" smtClean="0">
+              <a:rPr lang="en-US" sz="2600" dirty="0" err="1">
                 <a:solidFill>
                   <a:schemeClr val="tx1">
                     <a:lumMod val="95000"/>
@@ -5510,7 +5450,7 @@
               </a:rPr>
               <a:t>Trình</a:t>
             </a:r>
-            <a:endParaRPr lang="en-US" sz="2600" dirty="0" smtClean="0">
+            <a:endParaRPr lang="en-US" sz="2600" dirty="0">
               <a:solidFill>
                 <a:schemeClr val="tx1">
                   <a:lumMod val="95000"/>
@@ -5523,7 +5463,7 @@
           <a:p>
             <a:pPr algn="ctr"/>
             <a:r>
-              <a:rPr lang="en-US" sz="2600" dirty="0" err="1" smtClean="0">
+              <a:rPr lang="en-US" sz="2600" dirty="0" err="1">
                 <a:solidFill>
                   <a:schemeClr val="tx1">
                     <a:lumMod val="95000"/>
@@ -5535,7 +5475,7 @@
               <a:t>Tô</a:t>
             </a:r>
             <a:r>
-              <a:rPr lang="en-US" sz="2600" dirty="0" smtClean="0">
+              <a:rPr lang="en-US" sz="2600" dirty="0">
                 <a:solidFill>
                   <a:schemeClr val="tx1">
                     <a:lumMod val="95000"/>
@@ -5547,7 +5487,7 @@
               <a:t> </a:t>
             </a:r>
             <a:r>
-              <a:rPr lang="en-US" sz="2600" dirty="0" err="1" smtClean="0">
+              <a:rPr lang="en-US" sz="2600" dirty="0" err="1">
                 <a:solidFill>
                   <a:schemeClr val="tx1">
                     <a:lumMod val="95000"/>
@@ -5559,7 +5499,7 @@
               <a:t>Quang</a:t>
             </a:r>
             <a:r>
-              <a:rPr lang="en-US" sz="2600" dirty="0" smtClean="0">
+              <a:rPr lang="en-US" sz="2600" dirty="0">
                 <a:solidFill>
                   <a:schemeClr val="tx1">
                     <a:lumMod val="95000"/>
@@ -5571,7 +5511,7 @@
               <a:t> </a:t>
             </a:r>
             <a:r>
-              <a:rPr lang="en-US" sz="2600" dirty="0" err="1" smtClean="0">
+              <a:rPr lang="en-US" sz="2600" dirty="0" err="1">
                 <a:solidFill>
                   <a:schemeClr val="tx1">
                     <a:lumMod val="95000"/>
@@ -5582,7 +5522,7 @@
               </a:rPr>
               <a:t>Đạt</a:t>
             </a:r>
-            <a:endParaRPr lang="en-US" sz="2600" dirty="0" smtClean="0">
+            <a:endParaRPr lang="en-US" sz="2600" dirty="0">
               <a:solidFill>
                 <a:schemeClr val="tx1">
                   <a:lumMod val="95000"/>
@@ -5687,13 +5627,6 @@
   <p:transition spd="slow" advTm="1361">
     <p:fade/>
   </p:transition>
-  <p:timing>
-    <p:tnLst>
-      <p:par>
-        <p:cTn id="1" dur="indefinite" restart="never" nodeType="tmRoot"/>
-      </p:par>
-    </p:tnLst>
-  </p:timing>
 </p:sld>
 </file>
 
@@ -5740,15 +5673,15 @@
           <a:lstStyle/>
           <a:p>
             <a:r>
-              <a:rPr lang="en-US" sz="6000" dirty="0" err="1" smtClean="0"/>
+              <a:rPr lang="en-US" sz="6000" dirty="0" err="1"/>
               <a:t>Mục</a:t>
             </a:r>
             <a:r>
-              <a:rPr lang="en-US" sz="6000" dirty="0" smtClean="0"/>
+              <a:rPr lang="en-US" sz="6000" dirty="0"/>
               <a:t> </a:t>
             </a:r>
             <a:r>
-              <a:rPr lang="en-US" sz="6000" dirty="0" err="1" smtClean="0"/>
+              <a:rPr lang="en-US" sz="6000" dirty="0" err="1"/>
               <a:t>lục</a:t>
             </a:r>
             <a:endParaRPr lang="en-US" sz="6000" dirty="0"/>
@@ -5785,18 +5718,18 @@
               <a:buAutoNum type="arabicPeriod"/>
             </a:pPr>
             <a:r>
-              <a:rPr lang="en-US" sz="4000" dirty="0" err="1" smtClean="0"/>
+              <a:rPr lang="en-US" sz="4000" dirty="0" err="1"/>
               <a:t>Khái</a:t>
             </a:r>
             <a:r>
-              <a:rPr lang="en-US" sz="4000" dirty="0" smtClean="0"/>
+              <a:rPr lang="en-US" sz="4000" dirty="0"/>
               <a:t> </a:t>
             </a:r>
             <a:r>
-              <a:rPr lang="en-US" sz="4000" dirty="0" err="1" smtClean="0"/>
+              <a:rPr lang="en-US" sz="4000" dirty="0" err="1"/>
               <a:t>niệm</a:t>
             </a:r>
-            <a:endParaRPr lang="en-US" sz="4000" dirty="0" smtClean="0"/>
+            <a:endParaRPr lang="en-US" sz="4000" dirty="0"/>
           </a:p>
           <a:p>
             <a:pPr marL="742950" indent="-742950">
@@ -5804,7 +5737,7 @@
               <a:buAutoNum type="arabicPeriod"/>
             </a:pPr>
             <a:r>
-              <a:rPr lang="en-US" sz="4000" dirty="0" smtClean="0"/>
+              <a:rPr lang="en-US" sz="4000" dirty="0"/>
               <a:t>NPM</a:t>
             </a:r>
           </a:p>
@@ -5814,7 +5747,7 @@
               <a:buAutoNum type="arabicPeriod"/>
             </a:pPr>
             <a:r>
-              <a:rPr lang="en-US" sz="4000" dirty="0" smtClean="0"/>
+              <a:rPr lang="en-US" sz="4000" dirty="0"/>
               <a:t>Composer</a:t>
             </a:r>
           </a:p>
@@ -5831,13 +5764,6 @@
   <p:transition spd="slow">
     <p:wipe dir="d"/>
   </p:transition>
-  <p:timing>
-    <p:tnLst>
-      <p:par>
-        <p:cTn id="1" dur="indefinite" restart="never" nodeType="tmRoot"/>
-      </p:par>
-    </p:tnLst>
-  </p:timing>
 </p:sld>
 </file>
 
@@ -5884,19 +5810,19 @@
           <a:lstStyle/>
           <a:p>
             <a:r>
-              <a:rPr lang="en-US" sz="6000" dirty="0" smtClean="0"/>
+              <a:rPr lang="en-US" sz="6000" dirty="0"/>
               <a:t>1. </a:t>
             </a:r>
             <a:r>
-              <a:rPr lang="en-US" sz="6000" dirty="0" err="1" smtClean="0"/>
+              <a:rPr lang="en-US" sz="6000" dirty="0" err="1"/>
               <a:t>Khái</a:t>
             </a:r>
             <a:r>
-              <a:rPr lang="en-US" sz="6000" dirty="0" smtClean="0"/>
+              <a:rPr lang="en-US" sz="6000" dirty="0"/>
               <a:t> </a:t>
             </a:r>
             <a:r>
-              <a:rPr lang="en-US" sz="6000" dirty="0" err="1" smtClean="0"/>
+              <a:rPr lang="en-US" sz="6000" dirty="0" err="1"/>
               <a:t>niệm</a:t>
             </a:r>
             <a:endParaRPr lang="en-US" sz="6000" dirty="0"/>
@@ -5953,13 +5879,6 @@
   <p:transition spd="slow">
     <p:wipe dir="d"/>
   </p:transition>
-  <p:timing>
-    <p:tnLst>
-      <p:par>
-        <p:cTn id="1" dur="indefinite" restart="never" nodeType="tmRoot"/>
-      </p:par>
-    </p:tnLst>
-  </p:timing>
 </p:sld>
 </file>
 
@@ -6006,10 +5925,9 @@
           <a:lstStyle/>
           <a:p>
             <a:r>
-              <a:rPr lang="en-US" sz="6000" dirty="0" smtClean="0"/>
+              <a:rPr lang="en-US" sz="6000" dirty="0"/>
               <a:t>2. NPM</a:t>
             </a:r>
-            <a:endParaRPr lang="en-US" sz="6000" dirty="0"/>
           </a:p>
         </p:txBody>
       </p:sp>
@@ -6042,7 +5960,7 @@
               <a:rPr lang="vi-VN" sz="4000" dirty="0"/>
               <a:t>NPM viết tắt của Node package manager là một công cụ tạo và quản lý các thư viện lập trình Javascript cho Node.js. </a:t>
             </a:r>
-            <a:endParaRPr lang="en-US" sz="4000" dirty="0" smtClean="0"/>
+            <a:endParaRPr lang="en-US" sz="4000" dirty="0"/>
           </a:p>
         </p:txBody>
       </p:sp>
@@ -6062,13 +5980,6 @@
   <p:transition spd="slow">
     <p:wipe dir="d"/>
   </p:transition>
-  <p:timing>
-    <p:tnLst>
-      <p:par>
-        <p:cTn id="1" dur="indefinite" restart="never" nodeType="tmRoot"/>
-      </p:par>
-    </p:tnLst>
-  </p:timing>
 </p:sld>
 </file>
 
@@ -6115,10 +6026,9 @@
           <a:lstStyle/>
           <a:p>
             <a:r>
-              <a:rPr lang="en-US" sz="6000" dirty="0" smtClean="0"/>
+              <a:rPr lang="en-US" sz="6000" dirty="0"/>
               <a:t>3. Composer</a:t>
             </a:r>
-            <a:endParaRPr lang="en-US" sz="6000" dirty="0"/>
           </a:p>
         </p:txBody>
       </p:sp>
@@ -6137,13 +6047,13 @@
         </p:nvSpPr>
         <p:spPr>
           <a:xfrm>
-            <a:off x="838200" y="2286000"/>
+            <a:off x="762000" y="1970915"/>
             <a:ext cx="8077200" cy="4297363"/>
           </a:xfrm>
         </p:spPr>
         <p:txBody>
           <a:bodyPr>
-            <a:normAutofit/>
+            <a:normAutofit fontScale="92500" lnSpcReduction="10000"/>
           </a:bodyPr>
           <a:lstStyle/>
           <a:p>
@@ -6151,7 +6061,109 @@
               <a:rPr lang="vi-VN" sz="4000" dirty="0"/>
               <a:t>Composer là một công cụ quản lý các thư viện trong PHP</a:t>
             </a:r>
-            <a:endParaRPr lang="en-US" sz="4000" dirty="0" smtClean="0"/>
+            <a:endParaRPr lang="en-US" sz="4000" dirty="0"/>
+          </a:p>
+          <a:p>
+            <a:r>
+              <a:rPr lang="en-US" sz="4000" dirty="0">
+                <a:hlinkClick r:id="rId6"/>
+              </a:rPr>
+              <a:t>https://getcomposer.org/download/</a:t>
+            </a:r>
+            <a:endParaRPr lang="en-US" sz="4000" dirty="0"/>
+          </a:p>
+          <a:p>
+            <a:r>
+              <a:rPr lang="en-US" altLang="en-US" sz="4000" dirty="0">
+                <a:solidFill>
+                  <a:srgbClr val="333333"/>
+                </a:solidFill>
+              </a:rPr>
+              <a:t>composer create-project </a:t>
+            </a:r>
+            <a:r>
+              <a:rPr lang="en-US" altLang="en-US" sz="4000" dirty="0" err="1">
+                <a:solidFill>
+                  <a:srgbClr val="333333"/>
+                </a:solidFill>
+              </a:rPr>
+              <a:t>laravel</a:t>
+            </a:r>
+            <a:r>
+              <a:rPr lang="en-US" altLang="en-US" sz="4000" dirty="0">
+                <a:solidFill>
+                  <a:srgbClr val="333333"/>
+                </a:solidFill>
+              </a:rPr>
+              <a:t>/</a:t>
+            </a:r>
+            <a:r>
+              <a:rPr lang="en-US" altLang="en-US" sz="4000" dirty="0" err="1">
+                <a:solidFill>
+                  <a:srgbClr val="333333"/>
+                </a:solidFill>
+              </a:rPr>
+              <a:t>laravel</a:t>
+            </a:r>
+            <a:r>
+              <a:rPr lang="en-US" altLang="en-US" sz="4000" dirty="0">
+                <a:solidFill>
+                  <a:srgbClr val="333333"/>
+                </a:solidFill>
+              </a:rPr>
+              <a:t> </a:t>
+            </a:r>
+            <a:r>
+              <a:rPr lang="en-US" altLang="en-US" sz="4000" dirty="0" err="1">
+                <a:solidFill>
+                  <a:srgbClr val="FF0000"/>
+                </a:solidFill>
+              </a:rPr>
+              <a:t>myProject</a:t>
+            </a:r>
+            <a:r>
+              <a:rPr lang="en-US" altLang="en-US" sz="800" dirty="0"/>
+              <a:t> </a:t>
+            </a:r>
+            <a:endParaRPr lang="en-US" altLang="en-US" sz="7200" dirty="0"/>
+          </a:p>
+          <a:p>
+            <a:r>
+              <a:rPr lang="en-US" altLang="en-US" sz="4000" dirty="0">
+                <a:solidFill>
+                  <a:srgbClr val="404040"/>
+                </a:solidFill>
+              </a:rPr>
+              <a:t>composer create-project codeigniter4/</a:t>
+            </a:r>
+            <a:r>
+              <a:rPr lang="en-US" altLang="en-US" sz="4000" dirty="0" err="1">
+                <a:solidFill>
+                  <a:srgbClr val="404040"/>
+                </a:solidFill>
+              </a:rPr>
+              <a:t>appstarter</a:t>
+            </a:r>
+            <a:r>
+              <a:rPr lang="en-US" altLang="en-US" sz="4000" dirty="0">
+                <a:solidFill>
+                  <a:srgbClr val="404040"/>
+                </a:solidFill>
+              </a:rPr>
+              <a:t> </a:t>
+            </a:r>
+            <a:r>
+              <a:rPr lang="en-US" altLang="en-US" sz="4000" dirty="0" err="1">
+                <a:solidFill>
+                  <a:srgbClr val="FF0000"/>
+                </a:solidFill>
+              </a:rPr>
+              <a:t>myProject</a:t>
+            </a:r>
+            <a:endParaRPr lang="en-US" altLang="en-US" sz="8000" dirty="0"/>
+          </a:p>
+          <a:p>
+            <a:endParaRPr lang="en-US" sz="4000" dirty="0"/>
           </a:p>
         </p:txBody>
       </p:sp>
@@ -6171,13 +6183,6 @@
   <p:transition spd="slow">
     <p:wipe dir="d"/>
   </p:transition>
-  <p:timing>
-    <p:tnLst>
-      <p:par>
-        <p:cTn id="1" dur="indefinite" restart="never" nodeType="tmRoot"/>
-      </p:par>
-    </p:tnLst>
-  </p:timing>
 </p:sld>
 </file>
 
@@ -6226,13 +6231,8 @@
             </a:pPr>
             <a:r>
               <a:rPr lang="en-US" dirty="0"/>
-              <a:t>t</a:t>
-            </a:r>
-            <a:r>
-              <a:rPr lang="en-US" dirty="0" smtClean="0"/>
-              <a:t>hanks for watching</a:t>
-            </a:r>
-            <a:endParaRPr lang="en-US" dirty="0" smtClean="0"/>
+              <a:t>thanks for watching</a:t>
+            </a:r>
           </a:p>
         </p:txBody>
       </p:sp>
@@ -6247,13 +6247,6 @@
   <p:transition>
     <p:fade/>
   </p:transition>
-  <p:timing>
-    <p:tnLst>
-      <p:par>
-        <p:cTn id="1" dur="indefinite" restart="never" nodeType="tmRoot"/>
-      </p:par>
-    </p:tnLst>
-  </p:timing>
 </p:sld>
 </file>
 
